--- a/Final_Individual_Presentation/Presentation1.pptx
+++ b/Final_Individual_Presentation/Presentation1.pptx
@@ -8,10 +8,10 @@
     <p:sldId id="256" r:id="rId2"/>
     <p:sldId id="257" r:id="rId3"/>
     <p:sldId id="259" r:id="rId4"/>
-    <p:sldId id="258" r:id="rId5"/>
-    <p:sldId id="261" r:id="rId6"/>
-    <p:sldId id="260" r:id="rId7"/>
-    <p:sldId id="262" r:id="rId8"/>
+    <p:sldId id="261" r:id="rId5"/>
+    <p:sldId id="260" r:id="rId6"/>
+    <p:sldId id="262" r:id="rId7"/>
+    <p:sldId id="258" r:id="rId8"/>
   </p:sldIdLst>
   <p:sldSz cx="12192000" cy="6858000"/>
   <p:notesSz cx="6858000" cy="9144000"/>
@@ -3906,7 +3906,7 @@
         </p:spPr>
         <p:txBody>
           <a:bodyPr>
-            <a:normAutofit/>
+            <a:normAutofit fontScale="85000" lnSpcReduction="10000"/>
           </a:bodyPr>
           <a:lstStyle/>
           <a:p>
@@ -3923,6 +3923,26 @@
             </a:r>
           </a:p>
           <a:p>
+            <a:pPr lvl="1"/>
+            <a:r>
+              <a:rPr lang="en-US" dirty="0"/>
+              <a:t>Initialized using </a:t>
+            </a:r>
+            <a:r>
+              <a:rPr lang="en-US" dirty="0" err="1"/>
+              <a:t>Keras</a:t>
+            </a:r>
+            <a:r>
+              <a:rPr lang="en-US" dirty="0"/>
+              <a:t> and </a:t>
+            </a:r>
+            <a:r>
+              <a:rPr lang="en-US" dirty="0" err="1"/>
+              <a:t>Pytorch</a:t>
+            </a:r>
+            <a:endParaRPr lang="en-US" dirty="0"/>
+          </a:p>
+          <a:p>
             <a:r>
               <a:rPr lang="en-US" dirty="0"/>
               <a:t>Name inspired from the Christopher Nolan movie, Inception</a:t>
@@ -3936,6 +3956,13 @@
             <a:r>
               <a:rPr lang="en-US" dirty="0"/>
               <a:t> is a variant</a:t>
+            </a:r>
+          </a:p>
+          <a:p>
+            <a:pPr lvl="1"/>
+            <a:r>
+              <a:rPr lang="en-US" dirty="0"/>
+              <a:t>Inception made by Google</a:t>
             </a:r>
           </a:p>
           <a:p>
@@ -4299,7 +4326,7 @@
             <a:pPr lvl="1"/>
             <a:r>
               <a:rPr lang="en-US" dirty="0"/>
-              <a:t>Therefore it provides a method of dimension reduction and enables the network to learn more</a:t>
+              <a:t>Therefore, it provides a method of dimension reduction and enables the network to learn more</a:t>
             </a:r>
           </a:p>
         </p:txBody>
@@ -4318,473 +4345,6 @@
 </file>
 
 <file path=ppt/slides/slide4.xml><?xml version="1.0" encoding="utf-8"?>
-<p:sld xmlns:a="http://schemas.openxmlformats.org/drawingml/2006/main" xmlns:r="http://schemas.openxmlformats.org/officeDocument/2006/relationships" xmlns:p="http://schemas.openxmlformats.org/presentationml/2006/main">
-  <p:cSld>
-    <p:bg>
-      <p:bgPr>
-        <a:gradFill rotWithShape="1">
-          <a:gsLst>
-            <a:gs pos="0">
-              <a:schemeClr val="bg2">
-                <a:tint val="94000"/>
-                <a:satMod val="80000"/>
-                <a:lumMod val="106000"/>
-              </a:schemeClr>
-            </a:gs>
-            <a:gs pos="100000">
-              <a:schemeClr val="bg2">
-                <a:shade val="80000"/>
-              </a:schemeClr>
-            </a:gs>
-          </a:gsLst>
-          <a:path path="circle">
-            <a:fillToRect l="43000" r="43000" b="100000"/>
-          </a:path>
-        </a:gradFill>
-        <a:effectLst/>
-      </p:bgPr>
-    </p:bg>
-    <p:spTree>
-      <p:nvGrpSpPr>
-        <p:cNvPr id="1" name=""/>
-        <p:cNvGrpSpPr/>
-        <p:nvPr/>
-      </p:nvGrpSpPr>
-      <p:grpSpPr>
-        <a:xfrm>
-          <a:off x="0" y="0"/>
-          <a:ext cx="0" cy="0"/>
-          <a:chOff x="0" y="0"/>
-          <a:chExt cx="0" cy="0"/>
-        </a:xfrm>
-      </p:grpSpPr>
-      <p:sp>
-        <p:nvSpPr>
-          <p:cNvPr id="20" name="Rectangle 19">
-            <a:extLst>
-              <a:ext uri="{FF2B5EF4-FFF2-40B4-BE49-F238E27FC236}">
-                <a16:creationId xmlns:a16="http://schemas.microsoft.com/office/drawing/2014/main" id="{8D11E4C3-B2CB-4105-9B42-B5E438A1910F}"/>
-              </a:ext>
-              <a:ext uri="{C183D7F6-B498-43B3-948B-1728B52AA6E4}">
-                <adec:decorative xmlns:adec="http://schemas.microsoft.com/office/drawing/2017/decorative" val="1"/>
-              </a:ext>
-            </a:extLst>
-          </p:cNvPr>
-          <p:cNvSpPr>
-            <a:spLocks noGrp="1" noRot="1" noChangeAspect="1" noMove="1" noResize="1" noEditPoints="1" noAdjustHandles="1" noChangeArrowheads="1" noChangeShapeType="1" noTextEdit="1"/>
-          </p:cNvSpPr>
-          <p:nvPr>
-            <p:extLst>
-              <p:ext uri="{386F3935-93C4-4BCD-93E2-E3B085C9AB24}">
-                <p16:designElem xmlns:p16="http://schemas.microsoft.com/office/powerpoint/2015/main" val="1"/>
-              </p:ext>
-            </p:extLst>
-          </p:nvPr>
-        </p:nvSpPr>
-        <p:spPr>
-          <a:xfrm>
-            <a:off x="0" y="2019476"/>
-            <a:ext cx="12192000" cy="4105941"/>
-          </a:xfrm>
-          <a:prstGeom prst="rect">
-            <a:avLst/>
-          </a:prstGeom>
-          <a:gradFill flip="none" rotWithShape="1">
-            <a:gsLst>
-              <a:gs pos="0">
-                <a:schemeClr val="bg2">
-                  <a:alpha val="0"/>
-                </a:schemeClr>
-              </a:gs>
-              <a:gs pos="100000">
-                <a:schemeClr val="bg2"/>
-              </a:gs>
-            </a:gsLst>
-            <a:lin ang="5400000" scaled="0"/>
-            <a:tileRect/>
-          </a:gradFill>
-          <a:ln>
-            <a:noFill/>
-          </a:ln>
-        </p:spPr>
-        <p:style>
-          <a:lnRef idx="2">
-            <a:schemeClr val="accent1">
-              <a:shade val="50000"/>
-            </a:schemeClr>
-          </a:lnRef>
-          <a:fillRef idx="1">
-            <a:schemeClr val="accent1"/>
-          </a:fillRef>
-          <a:effectRef idx="0">
-            <a:schemeClr val="accent1"/>
-          </a:effectRef>
-          <a:fontRef idx="minor">
-            <a:schemeClr val="lt1"/>
-          </a:fontRef>
-        </p:style>
-      </p:sp>
-      <p:pic>
-        <p:nvPicPr>
-          <p:cNvPr id="22" name="Picture 21">
-            <a:extLst>
-              <a:ext uri="{FF2B5EF4-FFF2-40B4-BE49-F238E27FC236}">
-                <a16:creationId xmlns:a16="http://schemas.microsoft.com/office/drawing/2014/main" id="{D801A41D-49C4-4F95-AA12-FE7B943A5079}"/>
-              </a:ext>
-              <a:ext uri="{C183D7F6-B498-43B3-948B-1728B52AA6E4}">
-                <adec:decorative xmlns:adec="http://schemas.microsoft.com/office/drawing/2017/decorative" val="1"/>
-              </a:ext>
-            </a:extLst>
-          </p:cNvPr>
-          <p:cNvPicPr>
-            <a:picLocks noGrp="1" noRot="1" noChangeAspect="1" noMove="1" noResize="1" noEditPoints="1" noAdjustHandles="1" noChangeArrowheads="1" noChangeShapeType="1" noCrop="1"/>
-          </p:cNvPicPr>
-          <p:nvPr>
-            <p:extLst>
-              <p:ext uri="{386F3935-93C4-4BCD-93E2-E3B085C9AB24}">
-                <p16:designElem xmlns:p16="http://schemas.microsoft.com/office/powerpoint/2015/main" val="1"/>
-              </p:ext>
-            </p:extLst>
-          </p:nvPr>
-        </p:nvPicPr>
-        <p:blipFill rotWithShape="1">
-          <a:blip r:embed="rId2">
-            <a:extLst>
-              <a:ext uri="{28A0092B-C50C-407E-A947-70E740481C1C}">
-                <a14:useLocalDpi xmlns:a14="http://schemas.microsoft.com/office/drawing/2010/main" val="0"/>
-              </a:ext>
-            </a:extLst>
-          </a:blip>
-          <a:srcRect t="1538" b="-1538"/>
-          <a:stretch/>
-        </p:blipFill>
-        <p:spPr bwMode="black">
-          <a:xfrm>
-            <a:off x="0" y="6126480"/>
-            <a:ext cx="12192000" cy="742950"/>
-          </a:xfrm>
-          <a:prstGeom prst="rect">
-            <a:avLst/>
-          </a:prstGeom>
-        </p:spPr>
-      </p:pic>
-      <p:cxnSp>
-        <p:nvCxnSpPr>
-          <p:cNvPr id="24" name="Straight Connector 23">
-            <a:extLst>
-              <a:ext uri="{FF2B5EF4-FFF2-40B4-BE49-F238E27FC236}">
-                <a16:creationId xmlns:a16="http://schemas.microsoft.com/office/drawing/2014/main" id="{0073EB83-C81E-44B9-8EF1-2975C77B947D}"/>
-              </a:ext>
-              <a:ext uri="{C183D7F6-B498-43B3-948B-1728B52AA6E4}">
-                <adec:decorative xmlns:adec="http://schemas.microsoft.com/office/drawing/2017/decorative" val="1"/>
-              </a:ext>
-            </a:extLst>
-          </p:cNvPr>
-          <p:cNvCxnSpPr>
-            <a:cxnSpLocks noGrp="1" noRot="1" noChangeAspect="1" noMove="1" noResize="1" noEditPoints="1" noAdjustHandles="1" noChangeArrowheads="1" noChangeShapeType="1"/>
-          </p:cNvCxnSpPr>
-          <p:nvPr>
-            <p:extLst>
-              <p:ext uri="{386F3935-93C4-4BCD-93E2-E3B085C9AB24}">
-                <p16:designElem xmlns:p16="http://schemas.microsoft.com/office/powerpoint/2015/main" val="1"/>
-              </p:ext>
-            </p:extLst>
-          </p:nvPr>
-        </p:nvCxnSpPr>
-        <p:spPr>
-          <a:xfrm>
-            <a:off x="0" y="6128413"/>
-            <a:ext cx="12192000" cy="0"/>
-          </a:xfrm>
-          <a:prstGeom prst="line">
-            <a:avLst/>
-          </a:prstGeom>
-          <a:ln w="12700">
-            <a:solidFill>
-              <a:srgbClr val="000001">
-                <a:alpha val="20000"/>
-              </a:srgbClr>
-            </a:solidFill>
-          </a:ln>
-        </p:spPr>
-        <p:style>
-          <a:lnRef idx="1">
-            <a:schemeClr val="accent1"/>
-          </a:lnRef>
-          <a:fillRef idx="0">
-            <a:schemeClr val="accent1"/>
-          </a:fillRef>
-          <a:effectRef idx="0">
-            <a:schemeClr val="accent1"/>
-          </a:effectRef>
-          <a:fontRef idx="minor">
-            <a:schemeClr val="tx1"/>
-          </a:fontRef>
-        </p:style>
-      </p:cxnSp>
-      <p:sp>
-        <p:nvSpPr>
-          <p:cNvPr id="26" name="Rectangle 25">
-            <a:extLst>
-              <a:ext uri="{FF2B5EF4-FFF2-40B4-BE49-F238E27FC236}">
-                <a16:creationId xmlns:a16="http://schemas.microsoft.com/office/drawing/2014/main" id="{12E8CD4E-6381-4807-AA5B-CE0024A8BE19}"/>
-              </a:ext>
-              <a:ext uri="{C183D7F6-B498-43B3-948B-1728B52AA6E4}">
-                <adec:decorative xmlns:adec="http://schemas.microsoft.com/office/drawing/2017/decorative" val="1"/>
-              </a:ext>
-            </a:extLst>
-          </p:cNvPr>
-          <p:cNvSpPr>
-            <a:spLocks noGrp="1" noRot="1" noChangeAspect="1" noMove="1" noResize="1" noEditPoints="1" noAdjustHandles="1" noChangeArrowheads="1" noChangeShapeType="1" noTextEdit="1"/>
-          </p:cNvSpPr>
-          <p:nvPr>
-            <p:extLst>
-              <p:ext uri="{386F3935-93C4-4BCD-93E2-E3B085C9AB24}">
-                <p16:designElem xmlns:p16="http://schemas.microsoft.com/office/powerpoint/2015/main" val="1"/>
-              </p:ext>
-            </p:extLst>
-          </p:nvPr>
-        </p:nvSpPr>
-        <p:spPr>
-          <a:xfrm>
-            <a:off x="0" y="0"/>
-            <a:ext cx="12192000" cy="6858000"/>
-          </a:xfrm>
-          <a:prstGeom prst="rect">
-            <a:avLst/>
-          </a:prstGeom>
-          <a:solidFill>
-            <a:srgbClr val="595959"/>
-          </a:solidFill>
-          <a:ln>
-            <a:noFill/>
-          </a:ln>
-        </p:spPr>
-        <p:style>
-          <a:lnRef idx="2">
-            <a:schemeClr val="accent1">
-              <a:shade val="50000"/>
-            </a:schemeClr>
-          </a:lnRef>
-          <a:fillRef idx="1">
-            <a:schemeClr val="accent1"/>
-          </a:fillRef>
-          <a:effectRef idx="0">
-            <a:schemeClr val="accent1"/>
-          </a:effectRef>
-          <a:fontRef idx="minor">
-            <a:schemeClr val="lt1"/>
-          </a:fontRef>
-        </p:style>
-        <p:txBody>
-          <a:bodyPr rtlCol="0" anchor="ctr"/>
-          <a:lstStyle/>
-          <a:p>
-            <a:pPr algn="ctr"/>
-            <a:endParaRPr lang="en-US"/>
-          </a:p>
-        </p:txBody>
-      </p:sp>
-      <p:sp>
-        <p:nvSpPr>
-          <p:cNvPr id="28" name="Rectangle 27">
-            <a:extLst>
-              <a:ext uri="{FF2B5EF4-FFF2-40B4-BE49-F238E27FC236}">
-                <a16:creationId xmlns:a16="http://schemas.microsoft.com/office/drawing/2014/main" id="{D28445F8-F032-43C9-8D0F-A5155F525283}"/>
-              </a:ext>
-              <a:ext uri="{C183D7F6-B498-43B3-948B-1728B52AA6E4}">
-                <adec:decorative xmlns:adec="http://schemas.microsoft.com/office/drawing/2017/decorative" val="1"/>
-              </a:ext>
-            </a:extLst>
-          </p:cNvPr>
-          <p:cNvSpPr>
-            <a:spLocks noGrp="1" noRot="1" noChangeAspect="1" noMove="1" noResize="1" noEditPoints="1" noAdjustHandles="1" noChangeArrowheads="1" noChangeShapeType="1" noTextEdit="1"/>
-          </p:cNvSpPr>
-          <p:nvPr>
-            <p:extLst>
-              <p:ext uri="{386F3935-93C4-4BCD-93E2-E3B085C9AB24}">
-                <p16:designElem xmlns:p16="http://schemas.microsoft.com/office/powerpoint/2015/main" val="1"/>
-              </p:ext>
-            </p:extLst>
-          </p:nvPr>
-        </p:nvSpPr>
-        <p:spPr>
-          <a:xfrm>
-            <a:off x="477012" y="480060"/>
-            <a:ext cx="5458121" cy="5897880"/>
-          </a:xfrm>
-          <a:prstGeom prst="rect">
-            <a:avLst/>
-          </a:prstGeom>
-          <a:noFill/>
-          <a:ln>
-            <a:solidFill>
-              <a:srgbClr val="FFFFFF"/>
-            </a:solidFill>
-          </a:ln>
-        </p:spPr>
-        <p:style>
-          <a:lnRef idx="2">
-            <a:schemeClr val="accent1">
-              <a:shade val="50000"/>
-            </a:schemeClr>
-          </a:lnRef>
-          <a:fillRef idx="1">
-            <a:schemeClr val="accent1"/>
-          </a:fillRef>
-          <a:effectRef idx="0">
-            <a:schemeClr val="accent1"/>
-          </a:effectRef>
-          <a:fontRef idx="minor">
-            <a:schemeClr val="lt1"/>
-          </a:fontRef>
-        </p:style>
-        <p:txBody>
-          <a:bodyPr rtlCol="0" anchor="ctr"/>
-          <a:lstStyle/>
-          <a:p>
-            <a:pPr algn="ctr"/>
-            <a:endParaRPr lang="en-US"/>
-          </a:p>
-        </p:txBody>
-      </p:sp>
-      <p:pic>
-        <p:nvPicPr>
-          <p:cNvPr id="8" name="Picture 7">
-            <a:extLst>
-              <a:ext uri="{FF2B5EF4-FFF2-40B4-BE49-F238E27FC236}">
-                <a16:creationId xmlns:a16="http://schemas.microsoft.com/office/drawing/2014/main" id="{7900AF60-5EB0-0D4E-CE70-5E21A85BC575}"/>
-              </a:ext>
-            </a:extLst>
-          </p:cNvPr>
-          <p:cNvPicPr>
-            <a:picLocks noChangeAspect="1"/>
-          </p:cNvPicPr>
-          <p:nvPr/>
-        </p:nvPicPr>
-        <p:blipFill rotWithShape="1">
-          <a:blip r:embed="rId3"/>
-          <a:srcRect r="2" b="10966"/>
-          <a:stretch/>
-        </p:blipFill>
-        <p:spPr>
-          <a:xfrm>
-            <a:off x="643467" y="643467"/>
-            <a:ext cx="5130799" cy="5571066"/>
-          </a:xfrm>
-          <a:prstGeom prst="rect">
-            <a:avLst/>
-          </a:prstGeom>
-        </p:spPr>
-      </p:pic>
-      <p:sp>
-        <p:nvSpPr>
-          <p:cNvPr id="30" name="Rectangle 29">
-            <a:extLst>
-              <a:ext uri="{FF2B5EF4-FFF2-40B4-BE49-F238E27FC236}">
-                <a16:creationId xmlns:a16="http://schemas.microsoft.com/office/drawing/2014/main" id="{36A325B5-56A3-425A-B9A3-0CEB7CA1BBF6}"/>
-              </a:ext>
-              <a:ext uri="{C183D7F6-B498-43B3-948B-1728B52AA6E4}">
-                <adec:decorative xmlns:adec="http://schemas.microsoft.com/office/drawing/2017/decorative" val="1"/>
-              </a:ext>
-            </a:extLst>
-          </p:cNvPr>
-          <p:cNvSpPr>
-            <a:spLocks noGrp="1" noRot="1" noChangeAspect="1" noMove="1" noResize="1" noEditPoints="1" noAdjustHandles="1" noChangeArrowheads="1" noChangeShapeType="1" noTextEdit="1"/>
-          </p:cNvSpPr>
-          <p:nvPr>
-            <p:extLst>
-              <p:ext uri="{386F3935-93C4-4BCD-93E2-E3B085C9AB24}">
-                <p16:designElem xmlns:p16="http://schemas.microsoft.com/office/powerpoint/2015/main" val="1"/>
-              </p:ext>
-            </p:extLst>
-          </p:nvPr>
-        </p:nvSpPr>
-        <p:spPr>
-          <a:xfrm>
-            <a:off x="6256866" y="480060"/>
-            <a:ext cx="5458121" cy="5897880"/>
-          </a:xfrm>
-          <a:prstGeom prst="rect">
-            <a:avLst/>
-          </a:prstGeom>
-          <a:noFill/>
-          <a:ln>
-            <a:solidFill>
-              <a:srgbClr val="FFFFFF"/>
-            </a:solidFill>
-          </a:ln>
-        </p:spPr>
-        <p:style>
-          <a:lnRef idx="2">
-            <a:schemeClr val="accent1">
-              <a:shade val="50000"/>
-            </a:schemeClr>
-          </a:lnRef>
-          <a:fillRef idx="1">
-            <a:schemeClr val="accent1"/>
-          </a:fillRef>
-          <a:effectRef idx="0">
-            <a:schemeClr val="accent1"/>
-          </a:effectRef>
-          <a:fontRef idx="minor">
-            <a:schemeClr val="lt1"/>
-          </a:fontRef>
-        </p:style>
-        <p:txBody>
-          <a:bodyPr rtlCol="0" anchor="ctr"/>
-          <a:lstStyle/>
-          <a:p>
-            <a:pPr algn="ctr"/>
-            <a:endParaRPr lang="en-US"/>
-          </a:p>
-        </p:txBody>
-      </p:sp>
-      <p:pic>
-        <p:nvPicPr>
-          <p:cNvPr id="7" name="Content Placeholder 6">
-            <a:extLst>
-              <a:ext uri="{FF2B5EF4-FFF2-40B4-BE49-F238E27FC236}">
-                <a16:creationId xmlns:a16="http://schemas.microsoft.com/office/drawing/2014/main" id="{85570DCE-0717-9C53-DC8B-96906440A90D}"/>
-              </a:ext>
-            </a:extLst>
-          </p:cNvPr>
-          <p:cNvPicPr>
-            <a:picLocks noGrp="1" noChangeAspect="1"/>
-          </p:cNvPicPr>
-          <p:nvPr>
-            <p:ph idx="1"/>
-          </p:nvPr>
-        </p:nvPicPr>
-        <p:blipFill rotWithShape="1">
-          <a:blip r:embed="rId4"/>
-          <a:srcRect l="13990" r="19470"/>
-          <a:stretch/>
-        </p:blipFill>
-        <p:spPr>
-          <a:xfrm>
-            <a:off x="6423321" y="643467"/>
-            <a:ext cx="5130799" cy="5571066"/>
-          </a:xfrm>
-          <a:prstGeom prst="rect">
-            <a:avLst/>
-          </a:prstGeom>
-        </p:spPr>
-      </p:pic>
-    </p:spTree>
-    <p:extLst>
-      <p:ext uri="{BB962C8B-B14F-4D97-AF65-F5344CB8AC3E}">
-        <p14:creationId xmlns:p14="http://schemas.microsoft.com/office/powerpoint/2010/main" val="1965132146"/>
-      </p:ext>
-    </p:extLst>
-  </p:cSld>
-  <p:clrMapOvr>
-    <a:overrideClrMapping bg1="dk1" tx1="lt1" bg2="dk2" tx2="lt2" accent1="accent1" accent2="accent2" accent3="accent3" accent4="accent4" accent5="accent5" accent6="accent6" hlink="hlink" folHlink="folHlink"/>
-  </p:clrMapOvr>
-</p:sld>
-</file>
-
-<file path=ppt/slides/slide5.xml><?xml version="1.0" encoding="utf-8"?>
 <p:sld xmlns:a="http://schemas.openxmlformats.org/drawingml/2006/main" xmlns:r="http://schemas.openxmlformats.org/officeDocument/2006/relationships" xmlns:p="http://schemas.openxmlformats.org/presentationml/2006/main">
   <p:cSld>
     <p:bg>
@@ -5659,7 +5219,7 @@
 </p:sld>
 </file>
 
-<file path=ppt/slides/slide6.xml><?xml version="1.0" encoding="utf-8"?>
+<file path=ppt/slides/slide5.xml><?xml version="1.0" encoding="utf-8"?>
 <p:sld xmlns:a="http://schemas.openxmlformats.org/drawingml/2006/main" xmlns:r="http://schemas.openxmlformats.org/officeDocument/2006/relationships" xmlns:p="http://schemas.openxmlformats.org/presentationml/2006/main">
   <p:cSld>
     <p:spTree>
@@ -5743,12 +5303,385 @@
               <a:t>If the number of filters exceeded 1000, residual variants exhibits symptoms of instabilities and the network essentially dies in the early stages of training</a:t>
             </a:r>
           </a:p>
+          <a:p>
+            <a:r>
+              <a:rPr lang="en-US" dirty="0"/>
+              <a:t>Scaling down the residuals before adding the them to the last activation layer helps stabilize the training</a:t>
+            </a:r>
+          </a:p>
+          <a:p>
+            <a:endParaRPr lang="en-US" dirty="0"/>
+          </a:p>
         </p:txBody>
       </p:sp>
     </p:spTree>
     <p:extLst>
       <p:ext uri="{BB962C8B-B14F-4D97-AF65-F5344CB8AC3E}">
         <p14:creationId xmlns:p14="http://schemas.microsoft.com/office/powerpoint/2010/main" val="3967073003"/>
+      </p:ext>
+    </p:extLst>
+  </p:cSld>
+  <p:clrMapOvr>
+    <a:masterClrMapping/>
+  </p:clrMapOvr>
+</p:sld>
+</file>
+
+<file path=ppt/slides/slide6.xml><?xml version="1.0" encoding="utf-8"?>
+<p:sld xmlns:a="http://schemas.openxmlformats.org/drawingml/2006/main" xmlns:r="http://schemas.openxmlformats.org/officeDocument/2006/relationships" xmlns:p="http://schemas.openxmlformats.org/presentationml/2006/main">
+  <p:cSld>
+    <p:bg>
+      <p:bgPr>
+        <a:gradFill rotWithShape="1">
+          <a:gsLst>
+            <a:gs pos="0">
+              <a:schemeClr val="bg2">
+                <a:tint val="94000"/>
+                <a:satMod val="80000"/>
+                <a:lumMod val="106000"/>
+              </a:schemeClr>
+            </a:gs>
+            <a:gs pos="100000">
+              <a:schemeClr val="bg2">
+                <a:shade val="80000"/>
+              </a:schemeClr>
+            </a:gs>
+          </a:gsLst>
+          <a:path path="circle">
+            <a:fillToRect l="43000" r="43000" b="100000"/>
+          </a:path>
+        </a:gradFill>
+        <a:effectLst/>
+      </p:bgPr>
+    </p:bg>
+    <p:spTree>
+      <p:nvGrpSpPr>
+        <p:cNvPr id="1" name=""/>
+        <p:cNvGrpSpPr/>
+        <p:nvPr/>
+      </p:nvGrpSpPr>
+      <p:grpSpPr>
+        <a:xfrm>
+          <a:off x="0" y="0"/>
+          <a:ext cx="0" cy="0"/>
+          <a:chOff x="0" y="0"/>
+          <a:chExt cx="0" cy="0"/>
+        </a:xfrm>
+      </p:grpSpPr>
+      <p:sp useBgFill="1">
+        <p:nvSpPr>
+          <p:cNvPr id="9" name="Rectangle 8">
+            <a:extLst>
+              <a:ext uri="{FF2B5EF4-FFF2-40B4-BE49-F238E27FC236}">
+                <a16:creationId xmlns:a16="http://schemas.microsoft.com/office/drawing/2014/main" id="{1C2A4B30-77D7-4FFB-8B53-A88BD68CABD2}"/>
+              </a:ext>
+              <a:ext uri="{C183D7F6-B498-43B3-948B-1728B52AA6E4}">
+                <adec:decorative xmlns:adec="http://schemas.microsoft.com/office/drawing/2017/decorative" val="1"/>
+              </a:ext>
+            </a:extLst>
+          </p:cNvPr>
+          <p:cNvSpPr>
+            <a:spLocks noGrp="1" noRot="1" noChangeAspect="1" noMove="1" noResize="1" noEditPoints="1" noAdjustHandles="1" noChangeArrowheads="1" noChangeShapeType="1" noTextEdit="1"/>
+          </p:cNvSpPr>
+          <p:nvPr>
+            <p:extLst>
+              <p:ext uri="{386F3935-93C4-4BCD-93E2-E3B085C9AB24}">
+                <p16:designElem xmlns:p16="http://schemas.microsoft.com/office/powerpoint/2015/main" val="1"/>
+              </p:ext>
+            </p:extLst>
+          </p:nvPr>
+        </p:nvSpPr>
+        <p:spPr>
+          <a:xfrm>
+            <a:off x="2" y="0"/>
+            <a:ext cx="12191695" cy="6858000"/>
+          </a:xfrm>
+          <a:prstGeom prst="rect">
+            <a:avLst/>
+          </a:prstGeom>
+          <a:ln>
+            <a:noFill/>
+          </a:ln>
+        </p:spPr>
+        <p:style>
+          <a:lnRef idx="2">
+            <a:schemeClr val="accent1">
+              <a:shade val="50000"/>
+            </a:schemeClr>
+          </a:lnRef>
+          <a:fillRef idx="1">
+            <a:schemeClr val="accent1"/>
+          </a:fillRef>
+          <a:effectRef idx="0">
+            <a:schemeClr val="accent1"/>
+          </a:effectRef>
+          <a:fontRef idx="minor">
+            <a:schemeClr val="lt1"/>
+          </a:fontRef>
+        </p:style>
+        <p:txBody>
+          <a:bodyPr rtlCol="0" anchor="ctr"/>
+          <a:lstStyle/>
+          <a:p>
+            <a:pPr algn="ctr"/>
+            <a:endParaRPr lang="en-US"/>
+          </a:p>
+        </p:txBody>
+      </p:sp>
+      <p:sp>
+        <p:nvSpPr>
+          <p:cNvPr id="2" name="Title 1">
+            <a:extLst>
+              <a:ext uri="{FF2B5EF4-FFF2-40B4-BE49-F238E27FC236}">
+                <a16:creationId xmlns:a16="http://schemas.microsoft.com/office/drawing/2014/main" id="{62E21CA1-592C-A02E-F721-ACE6D781CDD3}"/>
+              </a:ext>
+            </a:extLst>
+          </p:cNvPr>
+          <p:cNvSpPr>
+            <a:spLocks noGrp="1"/>
+          </p:cNvSpPr>
+          <p:nvPr>
+            <p:ph type="title"/>
+          </p:nvPr>
+        </p:nvSpPr>
+        <p:spPr>
+          <a:xfrm>
+            <a:off x="1451580" y="804519"/>
+            <a:ext cx="4325112" cy="1049235"/>
+          </a:xfrm>
+        </p:spPr>
+        <p:txBody>
+          <a:bodyPr>
+            <a:normAutofit/>
+          </a:bodyPr>
+          <a:lstStyle/>
+          <a:p>
+            <a:r>
+              <a:rPr lang="en-US" sz="2800"/>
+              <a:t>Use Case</a:t>
+            </a:r>
+          </a:p>
+        </p:txBody>
+      </p:sp>
+      <p:cxnSp>
+        <p:nvCxnSpPr>
+          <p:cNvPr id="11" name="Straight Connector 10">
+            <a:extLst>
+              <a:ext uri="{FF2B5EF4-FFF2-40B4-BE49-F238E27FC236}">
+                <a16:creationId xmlns:a16="http://schemas.microsoft.com/office/drawing/2014/main" id="{373AAE2E-5D6B-4952-A4BB-546C49F8DE4B}"/>
+              </a:ext>
+              <a:ext uri="{C183D7F6-B498-43B3-948B-1728B52AA6E4}">
+                <adec:decorative xmlns:adec="http://schemas.microsoft.com/office/drawing/2017/decorative" val="1"/>
+              </a:ext>
+            </a:extLst>
+          </p:cNvPr>
+          <p:cNvCxnSpPr>
+            <a:cxnSpLocks noGrp="1" noRot="1" noChangeAspect="1" noMove="1" noResize="1" noEditPoints="1" noAdjustHandles="1" noChangeArrowheads="1" noChangeShapeType="1"/>
+          </p:cNvCxnSpPr>
+          <p:nvPr>
+            <p:extLst>
+              <p:ext uri="{386F3935-93C4-4BCD-93E2-E3B085C9AB24}">
+                <p16:designElem xmlns:p16="http://schemas.microsoft.com/office/powerpoint/2015/main" val="1"/>
+              </p:ext>
+            </p:extLst>
+          </p:nvPr>
+        </p:nvCxnSpPr>
+        <p:spPr>
+          <a:xfrm>
+            <a:off x="1451579" y="1853754"/>
+            <a:ext cx="4325112" cy="0"/>
+          </a:xfrm>
+          <a:prstGeom prst="line">
+            <a:avLst/>
+          </a:prstGeom>
+          <a:ln w="31750"/>
+        </p:spPr>
+        <p:style>
+          <a:lnRef idx="3">
+            <a:schemeClr val="accent1"/>
+          </a:lnRef>
+          <a:fillRef idx="0">
+            <a:schemeClr val="accent1"/>
+          </a:fillRef>
+          <a:effectRef idx="2">
+            <a:schemeClr val="accent1"/>
+          </a:effectRef>
+          <a:fontRef idx="minor">
+            <a:schemeClr val="tx1"/>
+          </a:fontRef>
+        </p:style>
+      </p:cxnSp>
+      <p:sp>
+        <p:nvSpPr>
+          <p:cNvPr id="13" name="Rectangle 12">
+            <a:extLst>
+              <a:ext uri="{FF2B5EF4-FFF2-40B4-BE49-F238E27FC236}">
+                <a16:creationId xmlns:a16="http://schemas.microsoft.com/office/drawing/2014/main" id="{01E4D783-AD45-49E7-B6C7-BBACB8290688}"/>
+              </a:ext>
+              <a:ext uri="{C183D7F6-B498-43B3-948B-1728B52AA6E4}">
+                <adec:decorative xmlns:adec="http://schemas.microsoft.com/office/drawing/2017/decorative" val="1"/>
+              </a:ext>
+            </a:extLst>
+          </p:cNvPr>
+          <p:cNvSpPr>
+            <a:spLocks noGrp="1" noRot="1" noChangeAspect="1" noMove="1" noResize="1" noEditPoints="1" noAdjustHandles="1" noChangeArrowheads="1" noChangeShapeType="1" noTextEdit="1"/>
+          </p:cNvSpPr>
+          <p:nvPr>
+            <p:extLst>
+              <p:ext uri="{386F3935-93C4-4BCD-93E2-E3B085C9AB24}">
+                <p16:designElem xmlns:p16="http://schemas.microsoft.com/office/powerpoint/2015/main" val="1"/>
+              </p:ext>
+            </p:extLst>
+          </p:nvPr>
+        </p:nvSpPr>
+        <p:spPr>
+          <a:xfrm>
+            <a:off x="0" y="2019476"/>
+            <a:ext cx="12192000" cy="4838524"/>
+          </a:xfrm>
+          <a:prstGeom prst="rect">
+            <a:avLst/>
+          </a:prstGeom>
+          <a:gradFill flip="none" rotWithShape="1">
+            <a:gsLst>
+              <a:gs pos="0">
+                <a:schemeClr val="bg2">
+                  <a:alpha val="0"/>
+                </a:schemeClr>
+              </a:gs>
+              <a:gs pos="100000">
+                <a:schemeClr val="bg2"/>
+              </a:gs>
+            </a:gsLst>
+            <a:lin ang="5400000" scaled="0"/>
+            <a:tileRect/>
+          </a:gradFill>
+          <a:ln>
+            <a:noFill/>
+          </a:ln>
+        </p:spPr>
+        <p:style>
+          <a:lnRef idx="2">
+            <a:schemeClr val="accent1">
+              <a:shade val="50000"/>
+            </a:schemeClr>
+          </a:lnRef>
+          <a:fillRef idx="1">
+            <a:schemeClr val="accent1"/>
+          </a:fillRef>
+          <a:effectRef idx="0">
+            <a:schemeClr val="accent1"/>
+          </a:effectRef>
+          <a:fontRef idx="minor">
+            <a:schemeClr val="lt1"/>
+          </a:fontRef>
+        </p:style>
+        <p:txBody>
+          <a:bodyPr rtlCol="0" anchor="ctr"/>
+          <a:lstStyle/>
+          <a:p>
+            <a:pPr lvl="0" algn="ctr"/>
+            <a:endParaRPr lang="en-US"/>
+          </a:p>
+        </p:txBody>
+      </p:sp>
+      <p:sp>
+        <p:nvSpPr>
+          <p:cNvPr id="3" name="Content Placeholder 2">
+            <a:extLst>
+              <a:ext uri="{FF2B5EF4-FFF2-40B4-BE49-F238E27FC236}">
+                <a16:creationId xmlns:a16="http://schemas.microsoft.com/office/drawing/2014/main" id="{D1886F7B-A00D-DB51-C073-7B79956A5E06}"/>
+              </a:ext>
+            </a:extLst>
+          </p:cNvPr>
+          <p:cNvSpPr>
+            <a:spLocks noGrp="1"/>
+          </p:cNvSpPr>
+          <p:nvPr>
+            <p:ph idx="1"/>
+          </p:nvPr>
+        </p:nvSpPr>
+        <p:spPr>
+          <a:xfrm>
+            <a:off x="1451579" y="2015732"/>
+            <a:ext cx="4325113" cy="4074172"/>
+          </a:xfrm>
+        </p:spPr>
+        <p:txBody>
+          <a:bodyPr>
+            <a:normAutofit/>
+          </a:bodyPr>
+          <a:lstStyle/>
+          <a:p>
+            <a:r>
+              <a:rPr lang="en-US" dirty="0"/>
+              <a:t>Since Inception V4 is an image classification algorithm it can be used with: </a:t>
+            </a:r>
+          </a:p>
+          <a:p>
+            <a:pPr lvl="1"/>
+            <a:r>
+              <a:rPr lang="en-US" dirty="0"/>
+              <a:t>Object Detection</a:t>
+            </a:r>
+          </a:p>
+          <a:p>
+            <a:pPr lvl="1"/>
+            <a:r>
+              <a:rPr lang="en-US" dirty="0"/>
+              <a:t>Self-Driving cars </a:t>
+            </a:r>
+          </a:p>
+          <a:p>
+            <a:pPr lvl="1"/>
+            <a:r>
+              <a:rPr lang="en-US" dirty="0"/>
+              <a:t>Facial Recognition </a:t>
+            </a:r>
+          </a:p>
+          <a:p>
+            <a:pPr lvl="1"/>
+            <a:r>
+              <a:rPr lang="en-US" dirty="0"/>
+              <a:t>Healthcare image analysis</a:t>
+            </a:r>
+          </a:p>
+        </p:txBody>
+      </p:sp>
+      <p:pic>
+        <p:nvPicPr>
+          <p:cNvPr id="4" name="Picture 3">
+            <a:extLst>
+              <a:ext uri="{FF2B5EF4-FFF2-40B4-BE49-F238E27FC236}">
+                <a16:creationId xmlns:a16="http://schemas.microsoft.com/office/drawing/2014/main" id="{5B94988F-6CE6-B927-8B44-BCA628D2E775}"/>
+              </a:ext>
+            </a:extLst>
+          </p:cNvPr>
+          <p:cNvPicPr>
+            <a:picLocks noChangeAspect="1"/>
+          </p:cNvPicPr>
+          <p:nvPr/>
+        </p:nvPicPr>
+        <p:blipFill>
+          <a:blip r:embed="rId2"/>
+          <a:stretch>
+            <a:fillRect/>
+          </a:stretch>
+        </p:blipFill>
+        <p:spPr>
+          <a:xfrm>
+            <a:off x="6417733" y="1853754"/>
+            <a:ext cx="5505475" cy="3043363"/>
+          </a:xfrm>
+          <a:prstGeom prst="rect">
+            <a:avLst/>
+          </a:prstGeom>
+        </p:spPr>
+      </p:pic>
+    </p:spTree>
+    <p:extLst>
+      <p:ext uri="{BB962C8B-B14F-4D97-AF65-F5344CB8AC3E}">
+        <p14:creationId xmlns:p14="http://schemas.microsoft.com/office/powerpoint/2010/main" val="1079042540"/>
       </p:ext>
     </p:extLst>
   </p:cSld>
@@ -5799,12 +5732,12 @@
           <a:chExt cx="0" cy="0"/>
         </a:xfrm>
       </p:grpSpPr>
-      <p:sp useBgFill="1">
-        <p:nvSpPr>
-          <p:cNvPr id="9" name="Rectangle 8">
+      <p:sp>
+        <p:nvSpPr>
+          <p:cNvPr id="20" name="Rectangle 19">
             <a:extLst>
               <a:ext uri="{FF2B5EF4-FFF2-40B4-BE49-F238E27FC236}">
-                <a16:creationId xmlns:a16="http://schemas.microsoft.com/office/drawing/2014/main" id="{1C2A4B30-77D7-4FFB-8B53-A88BD68CABD2}"/>
+                <a16:creationId xmlns:a16="http://schemas.microsoft.com/office/drawing/2014/main" id="{8D11E4C3-B2CB-4105-9B42-B5E438A1910F}"/>
               </a:ext>
               <a:ext uri="{C183D7F6-B498-43B3-948B-1728B52AA6E4}">
                 <adec:decorative xmlns:adec="http://schemas.microsoft.com/office/drawing/2017/decorative" val="1"/>
@@ -5824,151 +5757,8 @@
         </p:nvSpPr>
         <p:spPr>
           <a:xfrm>
-            <a:off x="2" y="0"/>
-            <a:ext cx="12191695" cy="6858000"/>
-          </a:xfrm>
-          <a:prstGeom prst="rect">
-            <a:avLst/>
-          </a:prstGeom>
-          <a:ln>
-            <a:noFill/>
-          </a:ln>
-        </p:spPr>
-        <p:style>
-          <a:lnRef idx="2">
-            <a:schemeClr val="accent1">
-              <a:shade val="50000"/>
-            </a:schemeClr>
-          </a:lnRef>
-          <a:fillRef idx="1">
-            <a:schemeClr val="accent1"/>
-          </a:fillRef>
-          <a:effectRef idx="0">
-            <a:schemeClr val="accent1"/>
-          </a:effectRef>
-          <a:fontRef idx="minor">
-            <a:schemeClr val="lt1"/>
-          </a:fontRef>
-        </p:style>
-        <p:txBody>
-          <a:bodyPr rtlCol="0" anchor="ctr"/>
-          <a:lstStyle/>
-          <a:p>
-            <a:pPr algn="ctr"/>
-            <a:endParaRPr lang="en-US"/>
-          </a:p>
-        </p:txBody>
-      </p:sp>
-      <p:sp>
-        <p:nvSpPr>
-          <p:cNvPr id="2" name="Title 1">
-            <a:extLst>
-              <a:ext uri="{FF2B5EF4-FFF2-40B4-BE49-F238E27FC236}">
-                <a16:creationId xmlns:a16="http://schemas.microsoft.com/office/drawing/2014/main" id="{62E21CA1-592C-A02E-F721-ACE6D781CDD3}"/>
-              </a:ext>
-            </a:extLst>
-          </p:cNvPr>
-          <p:cNvSpPr>
-            <a:spLocks noGrp="1"/>
-          </p:cNvSpPr>
-          <p:nvPr>
-            <p:ph type="title"/>
-          </p:nvPr>
-        </p:nvSpPr>
-        <p:spPr>
-          <a:xfrm>
-            <a:off x="1451580" y="804519"/>
-            <a:ext cx="4325112" cy="1049235"/>
-          </a:xfrm>
-        </p:spPr>
-        <p:txBody>
-          <a:bodyPr>
-            <a:normAutofit/>
-          </a:bodyPr>
-          <a:lstStyle/>
-          <a:p>
-            <a:r>
-              <a:rPr lang="en-US" sz="2800"/>
-              <a:t>Use Case</a:t>
-            </a:r>
-          </a:p>
-        </p:txBody>
-      </p:sp>
-      <p:cxnSp>
-        <p:nvCxnSpPr>
-          <p:cNvPr id="11" name="Straight Connector 10">
-            <a:extLst>
-              <a:ext uri="{FF2B5EF4-FFF2-40B4-BE49-F238E27FC236}">
-                <a16:creationId xmlns:a16="http://schemas.microsoft.com/office/drawing/2014/main" id="{373AAE2E-5D6B-4952-A4BB-546C49F8DE4B}"/>
-              </a:ext>
-              <a:ext uri="{C183D7F6-B498-43B3-948B-1728B52AA6E4}">
-                <adec:decorative xmlns:adec="http://schemas.microsoft.com/office/drawing/2017/decorative" val="1"/>
-              </a:ext>
-            </a:extLst>
-          </p:cNvPr>
-          <p:cNvCxnSpPr>
-            <a:cxnSpLocks noGrp="1" noRot="1" noChangeAspect="1" noMove="1" noResize="1" noEditPoints="1" noAdjustHandles="1" noChangeArrowheads="1" noChangeShapeType="1"/>
-          </p:cNvCxnSpPr>
-          <p:nvPr>
-            <p:extLst>
-              <p:ext uri="{386F3935-93C4-4BCD-93E2-E3B085C9AB24}">
-                <p16:designElem xmlns:p16="http://schemas.microsoft.com/office/powerpoint/2015/main" val="1"/>
-              </p:ext>
-            </p:extLst>
-          </p:nvPr>
-        </p:nvCxnSpPr>
-        <p:spPr>
-          <a:xfrm>
-            <a:off x="1451579" y="1853754"/>
-            <a:ext cx="4325112" cy="0"/>
-          </a:xfrm>
-          <a:prstGeom prst="line">
-            <a:avLst/>
-          </a:prstGeom>
-          <a:ln w="31750"/>
-        </p:spPr>
-        <p:style>
-          <a:lnRef idx="3">
-            <a:schemeClr val="accent1"/>
-          </a:lnRef>
-          <a:fillRef idx="0">
-            <a:schemeClr val="accent1"/>
-          </a:fillRef>
-          <a:effectRef idx="2">
-            <a:schemeClr val="accent1"/>
-          </a:effectRef>
-          <a:fontRef idx="minor">
-            <a:schemeClr val="tx1"/>
-          </a:fontRef>
-        </p:style>
-      </p:cxnSp>
-      <p:sp>
-        <p:nvSpPr>
-          <p:cNvPr id="13" name="Rectangle 12">
-            <a:extLst>
-              <a:ext uri="{FF2B5EF4-FFF2-40B4-BE49-F238E27FC236}">
-                <a16:creationId xmlns:a16="http://schemas.microsoft.com/office/drawing/2014/main" id="{01E4D783-AD45-49E7-B6C7-BBACB8290688}"/>
-              </a:ext>
-              <a:ext uri="{C183D7F6-B498-43B3-948B-1728B52AA6E4}">
-                <adec:decorative xmlns:adec="http://schemas.microsoft.com/office/drawing/2017/decorative" val="1"/>
-              </a:ext>
-            </a:extLst>
-          </p:cNvPr>
-          <p:cNvSpPr>
-            <a:spLocks noGrp="1" noRot="1" noChangeAspect="1" noMove="1" noResize="1" noEditPoints="1" noAdjustHandles="1" noChangeArrowheads="1" noChangeShapeType="1" noTextEdit="1"/>
-          </p:cNvSpPr>
-          <p:nvPr>
-            <p:extLst>
-              <p:ext uri="{386F3935-93C4-4BCD-93E2-E3B085C9AB24}">
-                <p16:designElem xmlns:p16="http://schemas.microsoft.com/office/powerpoint/2015/main" val="1"/>
-              </p:ext>
-            </p:extLst>
-          </p:nvPr>
-        </p:nvSpPr>
-        <p:spPr>
-          <a:xfrm>
             <a:off x="0" y="2019476"/>
-            <a:ext cx="12192000" cy="4838524"/>
+            <a:ext cx="12192000" cy="4105941"/>
           </a:xfrm>
           <a:prstGeom prst="rect">
             <a:avLst/>
@@ -6007,84 +5797,237 @@
             <a:schemeClr val="lt1"/>
           </a:fontRef>
         </p:style>
-        <p:txBody>
-          <a:bodyPr rtlCol="0" anchor="ctr"/>
-          <a:lstStyle/>
-          <a:p>
-            <a:pPr lvl="0" algn="ctr"/>
-            <a:endParaRPr lang="en-US"/>
-          </a:p>
-        </p:txBody>
-      </p:sp>
-      <p:sp>
-        <p:nvSpPr>
-          <p:cNvPr id="3" name="Content Placeholder 2">
+      </p:sp>
+      <p:pic>
+        <p:nvPicPr>
+          <p:cNvPr id="22" name="Picture 21">
             <a:extLst>
               <a:ext uri="{FF2B5EF4-FFF2-40B4-BE49-F238E27FC236}">
-                <a16:creationId xmlns:a16="http://schemas.microsoft.com/office/drawing/2014/main" id="{D1886F7B-A00D-DB51-C073-7B79956A5E06}"/>
+                <a16:creationId xmlns:a16="http://schemas.microsoft.com/office/drawing/2014/main" id="{D801A41D-49C4-4F95-AA12-FE7B943A5079}"/>
+              </a:ext>
+              <a:ext uri="{C183D7F6-B498-43B3-948B-1728B52AA6E4}">
+                <adec:decorative xmlns:adec="http://schemas.microsoft.com/office/drawing/2017/decorative" val="1"/>
               </a:ext>
             </a:extLst>
           </p:cNvPr>
-          <p:cNvSpPr>
-            <a:spLocks noGrp="1"/>
-          </p:cNvSpPr>
-          <p:nvPr>
-            <p:ph idx="1"/>
-          </p:nvPr>
-        </p:nvSpPr>
-        <p:spPr>
-          <a:xfrm>
-            <a:off x="1451579" y="2015732"/>
-            <a:ext cx="4325113" cy="4074172"/>
-          </a:xfrm>
-        </p:spPr>
-        <p:txBody>
-          <a:bodyPr>
-            <a:normAutofit/>
-          </a:bodyPr>
-          <a:lstStyle/>
-          <a:p>
-            <a:r>
-              <a:rPr lang="en-US" dirty="0"/>
-              <a:t>Since Inception V4 is an image classification algorithm it can be used with: </a:t>
-            </a:r>
-          </a:p>
-          <a:p>
-            <a:pPr lvl="1"/>
-            <a:r>
-              <a:rPr lang="en-US" dirty="0"/>
-              <a:t>Object Detection</a:t>
-            </a:r>
-          </a:p>
-          <a:p>
-            <a:pPr lvl="1"/>
-            <a:r>
-              <a:rPr lang="en-US" dirty="0"/>
-              <a:t>Self-Driving cars </a:t>
-            </a:r>
-          </a:p>
-          <a:p>
-            <a:pPr lvl="1"/>
-            <a:r>
-              <a:rPr lang="en-US" dirty="0"/>
-              <a:t>Facial Recognition </a:t>
-            </a:r>
-          </a:p>
-          <a:p>
-            <a:pPr lvl="1"/>
-            <a:r>
-              <a:rPr lang="en-US" dirty="0"/>
-              <a:t>Healthcare image analysis</a:t>
-            </a:r>
+          <p:cNvPicPr>
+            <a:picLocks noGrp="1" noRot="1" noChangeAspect="1" noMove="1" noResize="1" noEditPoints="1" noAdjustHandles="1" noChangeArrowheads="1" noChangeShapeType="1" noCrop="1"/>
+          </p:cNvPicPr>
+          <p:nvPr>
+            <p:extLst>
+              <p:ext uri="{386F3935-93C4-4BCD-93E2-E3B085C9AB24}">
+                <p16:designElem xmlns:p16="http://schemas.microsoft.com/office/powerpoint/2015/main" val="1"/>
+              </p:ext>
+            </p:extLst>
+          </p:nvPr>
+        </p:nvPicPr>
+        <p:blipFill rotWithShape="1">
+          <a:blip r:embed="rId2">
+            <a:extLst>
+              <a:ext uri="{28A0092B-C50C-407E-A947-70E740481C1C}">
+                <a14:useLocalDpi xmlns:a14="http://schemas.microsoft.com/office/drawing/2010/main" val="0"/>
+              </a:ext>
+            </a:extLst>
+          </a:blip>
+          <a:srcRect t="1538" b="-1538"/>
+          <a:stretch/>
+        </p:blipFill>
+        <p:spPr bwMode="black">
+          <a:xfrm>
+            <a:off x="0" y="6126480"/>
+            <a:ext cx="12192000" cy="742950"/>
+          </a:xfrm>
+          <a:prstGeom prst="rect">
+            <a:avLst/>
+          </a:prstGeom>
+        </p:spPr>
+      </p:pic>
+      <p:cxnSp>
+        <p:nvCxnSpPr>
+          <p:cNvPr id="24" name="Straight Connector 23">
+            <a:extLst>
+              <a:ext uri="{FF2B5EF4-FFF2-40B4-BE49-F238E27FC236}">
+                <a16:creationId xmlns:a16="http://schemas.microsoft.com/office/drawing/2014/main" id="{0073EB83-C81E-44B9-8EF1-2975C77B947D}"/>
+              </a:ext>
+              <a:ext uri="{C183D7F6-B498-43B3-948B-1728B52AA6E4}">
+                <adec:decorative xmlns:adec="http://schemas.microsoft.com/office/drawing/2017/decorative" val="1"/>
+              </a:ext>
+            </a:extLst>
+          </p:cNvPr>
+          <p:cNvCxnSpPr>
+            <a:cxnSpLocks noGrp="1" noRot="1" noChangeAspect="1" noMove="1" noResize="1" noEditPoints="1" noAdjustHandles="1" noChangeArrowheads="1" noChangeShapeType="1"/>
+          </p:cNvCxnSpPr>
+          <p:nvPr>
+            <p:extLst>
+              <p:ext uri="{386F3935-93C4-4BCD-93E2-E3B085C9AB24}">
+                <p16:designElem xmlns:p16="http://schemas.microsoft.com/office/powerpoint/2015/main" val="1"/>
+              </p:ext>
+            </p:extLst>
+          </p:nvPr>
+        </p:nvCxnSpPr>
+        <p:spPr>
+          <a:xfrm>
+            <a:off x="0" y="6128413"/>
+            <a:ext cx="12192000" cy="0"/>
+          </a:xfrm>
+          <a:prstGeom prst="line">
+            <a:avLst/>
+          </a:prstGeom>
+          <a:ln w="12700">
+            <a:solidFill>
+              <a:srgbClr val="000001">
+                <a:alpha val="20000"/>
+              </a:srgbClr>
+            </a:solidFill>
+          </a:ln>
+        </p:spPr>
+        <p:style>
+          <a:lnRef idx="1">
+            <a:schemeClr val="accent1"/>
+          </a:lnRef>
+          <a:fillRef idx="0">
+            <a:schemeClr val="accent1"/>
+          </a:fillRef>
+          <a:effectRef idx="0">
+            <a:schemeClr val="accent1"/>
+          </a:effectRef>
+          <a:fontRef idx="minor">
+            <a:schemeClr val="tx1"/>
+          </a:fontRef>
+        </p:style>
+      </p:cxnSp>
+      <p:sp>
+        <p:nvSpPr>
+          <p:cNvPr id="26" name="Rectangle 25">
+            <a:extLst>
+              <a:ext uri="{FF2B5EF4-FFF2-40B4-BE49-F238E27FC236}">
+                <a16:creationId xmlns:a16="http://schemas.microsoft.com/office/drawing/2014/main" id="{12E8CD4E-6381-4807-AA5B-CE0024A8BE19}"/>
+              </a:ext>
+              <a:ext uri="{C183D7F6-B498-43B3-948B-1728B52AA6E4}">
+                <adec:decorative xmlns:adec="http://schemas.microsoft.com/office/drawing/2017/decorative" val="1"/>
+              </a:ext>
+            </a:extLst>
+          </p:cNvPr>
+          <p:cNvSpPr>
+            <a:spLocks noGrp="1" noRot="1" noChangeAspect="1" noMove="1" noResize="1" noEditPoints="1" noAdjustHandles="1" noChangeArrowheads="1" noChangeShapeType="1" noTextEdit="1"/>
+          </p:cNvSpPr>
+          <p:nvPr>
+            <p:extLst>
+              <p:ext uri="{386F3935-93C4-4BCD-93E2-E3B085C9AB24}">
+                <p16:designElem xmlns:p16="http://schemas.microsoft.com/office/powerpoint/2015/main" val="1"/>
+              </p:ext>
+            </p:extLst>
+          </p:nvPr>
+        </p:nvSpPr>
+        <p:spPr>
+          <a:xfrm>
+            <a:off x="0" y="0"/>
+            <a:ext cx="12192000" cy="6858000"/>
+          </a:xfrm>
+          <a:prstGeom prst="rect">
+            <a:avLst/>
+          </a:prstGeom>
+          <a:solidFill>
+            <a:srgbClr val="595959"/>
+          </a:solidFill>
+          <a:ln>
+            <a:noFill/>
+          </a:ln>
+        </p:spPr>
+        <p:style>
+          <a:lnRef idx="2">
+            <a:schemeClr val="accent1">
+              <a:shade val="50000"/>
+            </a:schemeClr>
+          </a:lnRef>
+          <a:fillRef idx="1">
+            <a:schemeClr val="accent1"/>
+          </a:fillRef>
+          <a:effectRef idx="0">
+            <a:schemeClr val="accent1"/>
+          </a:effectRef>
+          <a:fontRef idx="minor">
+            <a:schemeClr val="lt1"/>
+          </a:fontRef>
+        </p:style>
+        <p:txBody>
+          <a:bodyPr rtlCol="0" anchor="ctr"/>
+          <a:lstStyle/>
+          <a:p>
+            <a:pPr algn="ctr"/>
+            <a:endParaRPr lang="en-US"/>
+          </a:p>
+        </p:txBody>
+      </p:sp>
+      <p:sp>
+        <p:nvSpPr>
+          <p:cNvPr id="28" name="Rectangle 27">
+            <a:extLst>
+              <a:ext uri="{FF2B5EF4-FFF2-40B4-BE49-F238E27FC236}">
+                <a16:creationId xmlns:a16="http://schemas.microsoft.com/office/drawing/2014/main" id="{D28445F8-F032-43C9-8D0F-A5155F525283}"/>
+              </a:ext>
+              <a:ext uri="{C183D7F6-B498-43B3-948B-1728B52AA6E4}">
+                <adec:decorative xmlns:adec="http://schemas.microsoft.com/office/drawing/2017/decorative" val="1"/>
+              </a:ext>
+            </a:extLst>
+          </p:cNvPr>
+          <p:cNvSpPr>
+            <a:spLocks noGrp="1" noRot="1" noChangeAspect="1" noMove="1" noResize="1" noEditPoints="1" noAdjustHandles="1" noChangeArrowheads="1" noChangeShapeType="1" noTextEdit="1"/>
+          </p:cNvSpPr>
+          <p:nvPr>
+            <p:extLst>
+              <p:ext uri="{386F3935-93C4-4BCD-93E2-E3B085C9AB24}">
+                <p16:designElem xmlns:p16="http://schemas.microsoft.com/office/powerpoint/2015/main" val="1"/>
+              </p:ext>
+            </p:extLst>
+          </p:nvPr>
+        </p:nvSpPr>
+        <p:spPr>
+          <a:xfrm>
+            <a:off x="477012" y="480060"/>
+            <a:ext cx="5458121" cy="5897880"/>
+          </a:xfrm>
+          <a:prstGeom prst="rect">
+            <a:avLst/>
+          </a:prstGeom>
+          <a:noFill/>
+          <a:ln>
+            <a:solidFill>
+              <a:srgbClr val="FFFFFF"/>
+            </a:solidFill>
+          </a:ln>
+        </p:spPr>
+        <p:style>
+          <a:lnRef idx="2">
+            <a:schemeClr val="accent1">
+              <a:shade val="50000"/>
+            </a:schemeClr>
+          </a:lnRef>
+          <a:fillRef idx="1">
+            <a:schemeClr val="accent1"/>
+          </a:fillRef>
+          <a:effectRef idx="0">
+            <a:schemeClr val="accent1"/>
+          </a:effectRef>
+          <a:fontRef idx="minor">
+            <a:schemeClr val="lt1"/>
+          </a:fontRef>
+        </p:style>
+        <p:txBody>
+          <a:bodyPr rtlCol="0" anchor="ctr"/>
+          <a:lstStyle/>
+          <a:p>
+            <a:pPr algn="ctr"/>
+            <a:endParaRPr lang="en-US"/>
           </a:p>
         </p:txBody>
       </p:sp>
       <p:pic>
         <p:nvPicPr>
-          <p:cNvPr id="4" name="Picture 3">
+          <p:cNvPr id="8" name="Picture 7">
             <a:extLst>
               <a:ext uri="{FF2B5EF4-FFF2-40B4-BE49-F238E27FC236}">
-                <a16:creationId xmlns:a16="http://schemas.microsoft.com/office/drawing/2014/main" id="{5B94988F-6CE6-B927-8B44-BCA628D2E775}"/>
+                <a16:creationId xmlns:a16="http://schemas.microsoft.com/office/drawing/2014/main" id="{7900AF60-5EB0-0D4E-CE70-5E21A85BC575}"/>
               </a:ext>
             </a:extLst>
           </p:cNvPr>
@@ -6093,16 +6036,109 @@
           </p:cNvPicPr>
           <p:nvPr/>
         </p:nvPicPr>
-        <p:blipFill>
-          <a:blip r:embed="rId2"/>
-          <a:stretch>
-            <a:fillRect/>
-          </a:stretch>
+        <p:blipFill rotWithShape="1">
+          <a:blip r:embed="rId3"/>
+          <a:srcRect r="2" b="10966"/>
+          <a:stretch/>
         </p:blipFill>
         <p:spPr>
           <a:xfrm>
-            <a:off x="6417733" y="1853754"/>
-            <a:ext cx="5505475" cy="3043363"/>
+            <a:off x="643467" y="643467"/>
+            <a:ext cx="5130799" cy="5571066"/>
+          </a:xfrm>
+          <a:prstGeom prst="rect">
+            <a:avLst/>
+          </a:prstGeom>
+        </p:spPr>
+      </p:pic>
+      <p:sp>
+        <p:nvSpPr>
+          <p:cNvPr id="30" name="Rectangle 29">
+            <a:extLst>
+              <a:ext uri="{FF2B5EF4-FFF2-40B4-BE49-F238E27FC236}">
+                <a16:creationId xmlns:a16="http://schemas.microsoft.com/office/drawing/2014/main" id="{36A325B5-56A3-425A-B9A3-0CEB7CA1BBF6}"/>
+              </a:ext>
+              <a:ext uri="{C183D7F6-B498-43B3-948B-1728B52AA6E4}">
+                <adec:decorative xmlns:adec="http://schemas.microsoft.com/office/drawing/2017/decorative" val="1"/>
+              </a:ext>
+            </a:extLst>
+          </p:cNvPr>
+          <p:cNvSpPr>
+            <a:spLocks noGrp="1" noRot="1" noChangeAspect="1" noMove="1" noResize="1" noEditPoints="1" noAdjustHandles="1" noChangeArrowheads="1" noChangeShapeType="1" noTextEdit="1"/>
+          </p:cNvSpPr>
+          <p:nvPr>
+            <p:extLst>
+              <p:ext uri="{386F3935-93C4-4BCD-93E2-E3B085C9AB24}">
+                <p16:designElem xmlns:p16="http://schemas.microsoft.com/office/powerpoint/2015/main" val="1"/>
+              </p:ext>
+            </p:extLst>
+          </p:nvPr>
+        </p:nvSpPr>
+        <p:spPr>
+          <a:xfrm>
+            <a:off x="6256866" y="480060"/>
+            <a:ext cx="5458121" cy="5897880"/>
+          </a:xfrm>
+          <a:prstGeom prst="rect">
+            <a:avLst/>
+          </a:prstGeom>
+          <a:noFill/>
+          <a:ln>
+            <a:solidFill>
+              <a:srgbClr val="FFFFFF"/>
+            </a:solidFill>
+          </a:ln>
+        </p:spPr>
+        <p:style>
+          <a:lnRef idx="2">
+            <a:schemeClr val="accent1">
+              <a:shade val="50000"/>
+            </a:schemeClr>
+          </a:lnRef>
+          <a:fillRef idx="1">
+            <a:schemeClr val="accent1"/>
+          </a:fillRef>
+          <a:effectRef idx="0">
+            <a:schemeClr val="accent1"/>
+          </a:effectRef>
+          <a:fontRef idx="minor">
+            <a:schemeClr val="lt1"/>
+          </a:fontRef>
+        </p:style>
+        <p:txBody>
+          <a:bodyPr rtlCol="0" anchor="ctr"/>
+          <a:lstStyle/>
+          <a:p>
+            <a:pPr algn="ctr"/>
+            <a:endParaRPr lang="en-US"/>
+          </a:p>
+        </p:txBody>
+      </p:sp>
+      <p:pic>
+        <p:nvPicPr>
+          <p:cNvPr id="7" name="Content Placeholder 6">
+            <a:extLst>
+              <a:ext uri="{FF2B5EF4-FFF2-40B4-BE49-F238E27FC236}">
+                <a16:creationId xmlns:a16="http://schemas.microsoft.com/office/drawing/2014/main" id="{85570DCE-0717-9C53-DC8B-96906440A90D}"/>
+              </a:ext>
+            </a:extLst>
+          </p:cNvPr>
+          <p:cNvPicPr>
+            <a:picLocks noGrp="1" noChangeAspect="1"/>
+          </p:cNvPicPr>
+          <p:nvPr>
+            <p:ph idx="1"/>
+          </p:nvPr>
+        </p:nvPicPr>
+        <p:blipFill rotWithShape="1">
+          <a:blip r:embed="rId4"/>
+          <a:srcRect l="13990" r="19470"/>
+          <a:stretch/>
+        </p:blipFill>
+        <p:spPr>
+          <a:xfrm>
+            <a:off x="6423321" y="643467"/>
+            <a:ext cx="5130799" cy="5571066"/>
           </a:xfrm>
           <a:prstGeom prst="rect">
             <a:avLst/>
@@ -6112,12 +6148,12 @@
     </p:spTree>
     <p:extLst>
       <p:ext uri="{BB962C8B-B14F-4D97-AF65-F5344CB8AC3E}">
-        <p14:creationId xmlns:p14="http://schemas.microsoft.com/office/powerpoint/2010/main" val="1079042540"/>
+        <p14:creationId xmlns:p14="http://schemas.microsoft.com/office/powerpoint/2010/main" val="1965132146"/>
       </p:ext>
     </p:extLst>
   </p:cSld>
   <p:clrMapOvr>
-    <a:masterClrMapping/>
+    <a:overrideClrMapping bg1="dk1" tx1="lt1" bg2="dk2" tx2="lt2" accent1="accent1" accent2="accent2" accent3="accent3" accent4="accent4" accent5="accent5" accent6="accent6" hlink="hlink" folHlink="folHlink"/>
   </p:clrMapOvr>
 </p:sld>
 </file>
